--- a/Module02FinalProjectPresentation.pptx
+++ b/Module02FinalProjectPresentation.pptx
@@ -8,8 +8,8 @@
     <p:sldId id="256" r:id="rId2"/>
     <p:sldId id="257" r:id="rId3"/>
     <p:sldId id="258" r:id="rId4"/>
-    <p:sldId id="259" r:id="rId5"/>
-    <p:sldId id="262" r:id="rId6"/>
+    <p:sldId id="262" r:id="rId5"/>
+    <p:sldId id="259" r:id="rId6"/>
     <p:sldId id="261" r:id="rId7"/>
     <p:sldId id="263" r:id="rId8"/>
     <p:sldId id="266" r:id="rId9"/>
@@ -114,6 +114,11 @@
       </a:defRPr>
     </a:lvl9pPr>
   </p:defaultTextStyle>
+  <p:extLst>
+    <p:ext uri="{EFAFB233-063F-42B5-8137-9DF3F51BA10A}">
+      <p15:sldGuideLst xmlns:p15="http://schemas.microsoft.com/office/powerpoint/2012/main"/>
+    </p:ext>
+  </p:extLst>
 </p:presentation>
 </file>
 
@@ -264,7 +269,7 @@
           <a:p>
             <a:fld id="{F6B9A80A-9B14-1443-BD21-1AB278122145}" type="datetimeFigureOut">
               <a:rPr lang="en-US" smtClean="0"/>
-              <a:t>5/25/21</a:t>
+              <a:t>5/26/21</a:t>
             </a:fld>
             <a:endParaRPr lang="en-US"/>
           </a:p>
@@ -462,7 +467,7 @@
           <a:p>
             <a:fld id="{F6B9A80A-9B14-1443-BD21-1AB278122145}" type="datetimeFigureOut">
               <a:rPr lang="en-US" smtClean="0"/>
-              <a:t>5/25/21</a:t>
+              <a:t>5/26/21</a:t>
             </a:fld>
             <a:endParaRPr lang="en-US"/>
           </a:p>
@@ -670,7 +675,7 @@
           <a:p>
             <a:fld id="{F6B9A80A-9B14-1443-BD21-1AB278122145}" type="datetimeFigureOut">
               <a:rPr lang="en-US" smtClean="0"/>
-              <a:t>5/25/21</a:t>
+              <a:t>5/26/21</a:t>
             </a:fld>
             <a:endParaRPr lang="en-US"/>
           </a:p>
@@ -868,7 +873,7 @@
           <a:p>
             <a:fld id="{F6B9A80A-9B14-1443-BD21-1AB278122145}" type="datetimeFigureOut">
               <a:rPr lang="en-US" smtClean="0"/>
-              <a:t>5/25/21</a:t>
+              <a:t>5/26/21</a:t>
             </a:fld>
             <a:endParaRPr lang="en-US"/>
           </a:p>
@@ -1143,7 +1148,7 @@
           <a:p>
             <a:fld id="{F6B9A80A-9B14-1443-BD21-1AB278122145}" type="datetimeFigureOut">
               <a:rPr lang="en-US" smtClean="0"/>
-              <a:t>5/25/21</a:t>
+              <a:t>5/26/21</a:t>
             </a:fld>
             <a:endParaRPr lang="en-US"/>
           </a:p>
@@ -1408,7 +1413,7 @@
           <a:p>
             <a:fld id="{F6B9A80A-9B14-1443-BD21-1AB278122145}" type="datetimeFigureOut">
               <a:rPr lang="en-US" smtClean="0"/>
-              <a:t>5/25/21</a:t>
+              <a:t>5/26/21</a:t>
             </a:fld>
             <a:endParaRPr lang="en-US"/>
           </a:p>
@@ -1820,7 +1825,7 @@
           <a:p>
             <a:fld id="{F6B9A80A-9B14-1443-BD21-1AB278122145}" type="datetimeFigureOut">
               <a:rPr lang="en-US" smtClean="0"/>
-              <a:t>5/25/21</a:t>
+              <a:t>5/26/21</a:t>
             </a:fld>
             <a:endParaRPr lang="en-US"/>
           </a:p>
@@ -1961,7 +1966,7 @@
           <a:p>
             <a:fld id="{F6B9A80A-9B14-1443-BD21-1AB278122145}" type="datetimeFigureOut">
               <a:rPr lang="en-US" smtClean="0"/>
-              <a:t>5/25/21</a:t>
+              <a:t>5/26/21</a:t>
             </a:fld>
             <a:endParaRPr lang="en-US"/>
           </a:p>
@@ -2074,7 +2079,7 @@
           <a:p>
             <a:fld id="{F6B9A80A-9B14-1443-BD21-1AB278122145}" type="datetimeFigureOut">
               <a:rPr lang="en-US" smtClean="0"/>
-              <a:t>5/25/21</a:t>
+              <a:t>5/26/21</a:t>
             </a:fld>
             <a:endParaRPr lang="en-US"/>
           </a:p>
@@ -2385,7 +2390,7 @@
           <a:p>
             <a:fld id="{F6B9A80A-9B14-1443-BD21-1AB278122145}" type="datetimeFigureOut">
               <a:rPr lang="en-US" smtClean="0"/>
-              <a:t>5/25/21</a:t>
+              <a:t>5/26/21</a:t>
             </a:fld>
             <a:endParaRPr lang="en-US"/>
           </a:p>
@@ -2673,7 +2678,7 @@
           <a:p>
             <a:fld id="{F6B9A80A-9B14-1443-BD21-1AB278122145}" type="datetimeFigureOut">
               <a:rPr lang="en-US" smtClean="0"/>
-              <a:t>5/25/21</a:t>
+              <a:t>5/26/21</a:t>
             </a:fld>
             <a:endParaRPr lang="en-US"/>
           </a:p>
@@ -2944,7 +2949,7 @@
           <a:p>
             <a:fld id="{F6B9A80A-9B14-1443-BD21-1AB278122145}" type="datetimeFigureOut">
               <a:rPr lang="en-US" smtClean="0"/>
-              <a:t>5/25/21</a:t>
+              <a:t>5/26/21</a:t>
             </a:fld>
             <a:endParaRPr lang="en-US"/>
           </a:p>
@@ -4145,7 +4150,7 @@
           <p:cNvPr id="2" name="Title 1">
             <a:extLst>
               <a:ext uri="{FF2B5EF4-FFF2-40B4-BE49-F238E27FC236}">
-                <a16:creationId xmlns:a16="http://schemas.microsoft.com/office/drawing/2014/main" id="{D42DDF13-0263-3C4A-B6CE-C7205CB14CA0}"/>
+                <a16:creationId xmlns:a16="http://schemas.microsoft.com/office/drawing/2014/main" id="{05D532E2-06D3-8F45-98FE-BF2026DD86C9}"/>
               </a:ext>
             </a:extLst>
           </p:cNvPr>
@@ -4165,60 +4170,93 @@
               <a:rPr lang="en-US" b="1" dirty="0">
                 <a:latin typeface="+mn-lt"/>
               </a:rPr>
-              <a:t>Plots of Considered Features</a:t>
-            </a:r>
-          </a:p>
-        </p:txBody>
-      </p:sp>
-      <p:pic>
-        <p:nvPicPr>
-          <p:cNvPr id="27" name="Picture 26">
-            <a:extLst>
-              <a:ext uri="{FF2B5EF4-FFF2-40B4-BE49-F238E27FC236}">
-                <a16:creationId xmlns:a16="http://schemas.microsoft.com/office/drawing/2014/main" id="{874EE640-5E42-B840-AD75-93A11860E2C7}"/>
-              </a:ext>
-            </a:extLst>
-          </p:cNvPr>
-          <p:cNvPicPr>
-            <a:picLocks noChangeAspect="1"/>
-          </p:cNvPicPr>
-          <p:nvPr/>
-        </p:nvPicPr>
-        <p:blipFill>
-          <a:blip r:embed="rId2">
-            <a:extLst>
-              <a:ext uri="{BEBA8EAE-BF5A-486C-A8C5-ECC9F3942E4B}">
-                <a14:imgProps xmlns:a14="http://schemas.microsoft.com/office/drawing/2010/main">
-                  <a14:imgLayer r:embed="rId3">
-                    <a14:imgEffect>
-                      <a14:sharpenSoften amount="49000"/>
-                    </a14:imgEffect>
-                    <a14:imgEffect>
-                      <a14:brightnessContrast contrast="49000"/>
-                    </a14:imgEffect>
-                  </a14:imgLayer>
-                </a14:imgProps>
-              </a:ext>
-            </a:extLst>
-          </a:blip>
-          <a:stretch>
-            <a:fillRect/>
-          </a:stretch>
-        </p:blipFill>
-        <p:spPr>
-          <a:xfrm>
-            <a:off x="965200" y="1361757"/>
-            <a:ext cx="10584916" cy="4315143"/>
-          </a:xfrm>
-          <a:prstGeom prst="rect">
-            <a:avLst/>
-          </a:prstGeom>
-        </p:spPr>
-      </p:pic>
+              <a:t>Selected Features</a:t>
+            </a:r>
+          </a:p>
+        </p:txBody>
+      </p:sp>
+      <p:sp>
+        <p:nvSpPr>
+          <p:cNvPr id="3" name="Content Placeholder 2">
+            <a:extLst>
+              <a:ext uri="{FF2B5EF4-FFF2-40B4-BE49-F238E27FC236}">
+                <a16:creationId xmlns:a16="http://schemas.microsoft.com/office/drawing/2014/main" id="{282CA9B7-21BB-A643-BB06-991B8846A6CB}"/>
+              </a:ext>
+            </a:extLst>
+          </p:cNvPr>
+          <p:cNvSpPr>
+            <a:spLocks noGrp="1"/>
+          </p:cNvSpPr>
+          <p:nvPr>
+            <p:ph sz="half" idx="1"/>
+          </p:nvPr>
+        </p:nvSpPr>
+        <p:spPr/>
+        <p:txBody>
+          <a:bodyPr/>
+          <a:lstStyle/>
+          <a:p>
+            <a:r>
+              <a:rPr lang="en-US" dirty="0"/>
+              <a:t>Living Square Feet</a:t>
+            </a:r>
+          </a:p>
+          <a:p>
+            <a:r>
+              <a:rPr lang="en-US" dirty="0"/>
+              <a:t>Lot Square Feet</a:t>
+            </a:r>
+          </a:p>
+          <a:p>
+            <a:r>
+              <a:rPr lang="en-US" dirty="0"/>
+              <a:t>Bedrooms</a:t>
+            </a:r>
+          </a:p>
+          <a:p>
+            <a:r>
+              <a:rPr lang="en-US" dirty="0"/>
+              <a:t>Grade</a:t>
+            </a:r>
+          </a:p>
+          <a:p>
+            <a:r>
+              <a:rPr lang="en-US" dirty="0" err="1"/>
+              <a:t>Zipcode</a:t>
+            </a:r>
+            <a:endParaRPr lang="en-US" dirty="0"/>
+          </a:p>
+        </p:txBody>
+      </p:sp>
+      <p:sp>
+        <p:nvSpPr>
+          <p:cNvPr id="4" name="Content Placeholder 3">
+            <a:extLst>
+              <a:ext uri="{FF2B5EF4-FFF2-40B4-BE49-F238E27FC236}">
+                <a16:creationId xmlns:a16="http://schemas.microsoft.com/office/drawing/2014/main" id="{D1F67B2D-D1B8-9145-B58A-BFB7F8B37D57}"/>
+              </a:ext>
+            </a:extLst>
+          </p:cNvPr>
+          <p:cNvSpPr>
+            <a:spLocks noGrp="1"/>
+          </p:cNvSpPr>
+          <p:nvPr>
+            <p:ph sz="half" idx="2"/>
+          </p:nvPr>
+        </p:nvSpPr>
+        <p:spPr/>
+        <p:txBody>
+          <a:bodyPr/>
+          <a:lstStyle/>
+          <a:p>
+            <a:endParaRPr lang="en-US" dirty="0"/>
+          </a:p>
+        </p:txBody>
+      </p:sp>
     </p:spTree>
     <p:extLst>
       <p:ext uri="{BB962C8B-B14F-4D97-AF65-F5344CB8AC3E}">
-        <p14:creationId xmlns:p14="http://schemas.microsoft.com/office/powerpoint/2010/main" val="3852297398"/>
+        <p14:creationId xmlns:p14="http://schemas.microsoft.com/office/powerpoint/2010/main" val="255842825"/>
       </p:ext>
     </p:extLst>
   </p:cSld>
@@ -4250,7 +4288,7 @@
           <p:cNvPr id="2" name="Title 1">
             <a:extLst>
               <a:ext uri="{FF2B5EF4-FFF2-40B4-BE49-F238E27FC236}">
-                <a16:creationId xmlns:a16="http://schemas.microsoft.com/office/drawing/2014/main" id="{05D532E2-06D3-8F45-98FE-BF2026DD86C9}"/>
+                <a16:creationId xmlns:a16="http://schemas.microsoft.com/office/drawing/2014/main" id="{D42DDF13-0263-3C4A-B6CE-C7205CB14CA0}"/>
               </a:ext>
             </a:extLst>
           </p:cNvPr>
@@ -4270,93 +4308,60 @@
               <a:rPr lang="en-US" b="1" dirty="0">
                 <a:latin typeface="+mn-lt"/>
               </a:rPr>
-              <a:t>Selected Features</a:t>
-            </a:r>
-          </a:p>
-        </p:txBody>
-      </p:sp>
-      <p:sp>
-        <p:nvSpPr>
-          <p:cNvPr id="3" name="Content Placeholder 2">
-            <a:extLst>
-              <a:ext uri="{FF2B5EF4-FFF2-40B4-BE49-F238E27FC236}">
-                <a16:creationId xmlns:a16="http://schemas.microsoft.com/office/drawing/2014/main" id="{282CA9B7-21BB-A643-BB06-991B8846A6CB}"/>
-              </a:ext>
-            </a:extLst>
-          </p:cNvPr>
-          <p:cNvSpPr>
-            <a:spLocks noGrp="1"/>
-          </p:cNvSpPr>
-          <p:nvPr>
-            <p:ph sz="half" idx="1"/>
-          </p:nvPr>
-        </p:nvSpPr>
-        <p:spPr/>
-        <p:txBody>
-          <a:bodyPr/>
-          <a:lstStyle/>
-          <a:p>
-            <a:r>
-              <a:rPr lang="en-US" dirty="0"/>
-              <a:t>Living Square Feet</a:t>
-            </a:r>
-          </a:p>
-          <a:p>
-            <a:r>
-              <a:rPr lang="en-US" dirty="0"/>
-              <a:t>Lot Square Feet</a:t>
-            </a:r>
-          </a:p>
-          <a:p>
-            <a:r>
-              <a:rPr lang="en-US" dirty="0"/>
-              <a:t>Bedrooms</a:t>
-            </a:r>
-          </a:p>
-          <a:p>
-            <a:r>
-              <a:rPr lang="en-US" dirty="0"/>
-              <a:t>Grade</a:t>
-            </a:r>
-          </a:p>
-          <a:p>
-            <a:r>
-              <a:rPr lang="en-US" dirty="0" err="1"/>
-              <a:t>Zipcode</a:t>
-            </a:r>
-            <a:endParaRPr lang="en-US" dirty="0"/>
-          </a:p>
-        </p:txBody>
-      </p:sp>
-      <p:sp>
-        <p:nvSpPr>
-          <p:cNvPr id="4" name="Content Placeholder 3">
-            <a:extLst>
-              <a:ext uri="{FF2B5EF4-FFF2-40B4-BE49-F238E27FC236}">
-                <a16:creationId xmlns:a16="http://schemas.microsoft.com/office/drawing/2014/main" id="{D1F67B2D-D1B8-9145-B58A-BFB7F8B37D57}"/>
-              </a:ext>
-            </a:extLst>
-          </p:cNvPr>
-          <p:cNvSpPr>
-            <a:spLocks noGrp="1"/>
-          </p:cNvSpPr>
-          <p:nvPr>
-            <p:ph sz="half" idx="2"/>
-          </p:nvPr>
-        </p:nvSpPr>
-        <p:spPr/>
-        <p:txBody>
-          <a:bodyPr/>
-          <a:lstStyle/>
-          <a:p>
-            <a:endParaRPr lang="en-US" dirty="0"/>
-          </a:p>
-        </p:txBody>
-      </p:sp>
+              <a:t>Plots of Considered Features</a:t>
+            </a:r>
+          </a:p>
+        </p:txBody>
+      </p:sp>
+      <p:pic>
+        <p:nvPicPr>
+          <p:cNvPr id="27" name="Picture 26">
+            <a:extLst>
+              <a:ext uri="{FF2B5EF4-FFF2-40B4-BE49-F238E27FC236}">
+                <a16:creationId xmlns:a16="http://schemas.microsoft.com/office/drawing/2014/main" id="{874EE640-5E42-B840-AD75-93A11860E2C7}"/>
+              </a:ext>
+            </a:extLst>
+          </p:cNvPr>
+          <p:cNvPicPr>
+            <a:picLocks noChangeAspect="1"/>
+          </p:cNvPicPr>
+          <p:nvPr/>
+        </p:nvPicPr>
+        <p:blipFill>
+          <a:blip r:embed="rId2">
+            <a:extLst>
+              <a:ext uri="{BEBA8EAE-BF5A-486C-A8C5-ECC9F3942E4B}">
+                <a14:imgProps xmlns:a14="http://schemas.microsoft.com/office/drawing/2010/main">
+                  <a14:imgLayer r:embed="rId3">
+                    <a14:imgEffect>
+                      <a14:sharpenSoften amount="49000"/>
+                    </a14:imgEffect>
+                    <a14:imgEffect>
+                      <a14:brightnessContrast contrast="49000"/>
+                    </a14:imgEffect>
+                  </a14:imgLayer>
+                </a14:imgProps>
+              </a:ext>
+            </a:extLst>
+          </a:blip>
+          <a:stretch>
+            <a:fillRect/>
+          </a:stretch>
+        </p:blipFill>
+        <p:spPr>
+          <a:xfrm>
+            <a:off x="965200" y="1361757"/>
+            <a:ext cx="10584916" cy="4315143"/>
+          </a:xfrm>
+          <a:prstGeom prst="rect">
+            <a:avLst/>
+          </a:prstGeom>
+        </p:spPr>
+      </p:pic>
     </p:spTree>
     <p:extLst>
       <p:ext uri="{BB962C8B-B14F-4D97-AF65-F5344CB8AC3E}">
-        <p14:creationId xmlns:p14="http://schemas.microsoft.com/office/powerpoint/2010/main" val="255842825"/>
+        <p14:creationId xmlns:p14="http://schemas.microsoft.com/office/powerpoint/2010/main" val="3852297398"/>
       </p:ext>
     </p:extLst>
   </p:cSld>
